--- a/簡報/個人專題簡報1.pptx
+++ b/簡報/個人專題簡報1.pptx
@@ -127,6 +127,7 @@
 <p1510:revInfo xmlns:a="http://schemas.openxmlformats.org/drawingml/2006/main" xmlns:r="http://schemas.openxmlformats.org/officeDocument/2006/relationships" xmlns:p1510="http://schemas.microsoft.com/office/powerpoint/2015/10/main">
   <p1510:revLst>
     <p1510:client id="{631E48A9-47DE-4532-AE94-54AD21891558}" v="916" dt="2023-11-29T06:06:39.099"/>
+    <p1510:client id="{72487C20-6FA7-4E86-AF37-AC80D7AF171F}" v="8" dt="2023-11-29T10:08:08.935"/>
     <p1510:client id="{789C0F4A-146B-4291-93CD-1083A7236423}" v="5" dt="2023-11-29T02:48:33.347"/>
   </p1510:revLst>
 </p1510:revInfo>
@@ -134,6 +135,75 @@
 
 <file path=ppt/changesInfos/changesInfo1.xml><?xml version="1.0" encoding="utf-8"?>
 <pc:chgInfo xmlns:a="http://schemas.openxmlformats.org/drawingml/2006/main" xmlns:r="http://schemas.openxmlformats.org/officeDocument/2006/relationships" xmlns:ac="http://schemas.microsoft.com/office/drawing/2013/main/command" xmlns:pc="http://schemas.microsoft.com/office/powerpoint/2013/main/command">
+  <pc:docChgLst>
+    <pc:chgData name="李 莘慈" userId="d6ed8ce8b59dd2fa" providerId="Windows Live" clId="Web-{72487C20-6FA7-4E86-AF37-AC80D7AF171F}"/>
+    <pc:docChg chg="modSld">
+      <pc:chgData name="李 莘慈" userId="d6ed8ce8b59dd2fa" providerId="Windows Live" clId="Web-{72487C20-6FA7-4E86-AF37-AC80D7AF171F}" dt="2023-11-29T10:08:08.935" v="7" actId="1076"/>
+      <pc:docMkLst>
+        <pc:docMk/>
+      </pc:docMkLst>
+      <pc:sldChg chg="modSp">
+        <pc:chgData name="李 莘慈" userId="d6ed8ce8b59dd2fa" providerId="Windows Live" clId="Web-{72487C20-6FA7-4E86-AF37-AC80D7AF171F}" dt="2023-11-29T10:07:09.339" v="1" actId="1076"/>
+        <pc:sldMkLst>
+          <pc:docMk/>
+          <pc:sldMk cId="410530544" sldId="259"/>
+        </pc:sldMkLst>
+        <pc:picChg chg="mod">
+          <ac:chgData name="李 莘慈" userId="d6ed8ce8b59dd2fa" providerId="Windows Live" clId="Web-{72487C20-6FA7-4E86-AF37-AC80D7AF171F}" dt="2023-11-29T10:07:09.339" v="1" actId="1076"/>
+          <ac:picMkLst>
+            <pc:docMk/>
+            <pc:sldMk cId="410530544" sldId="259"/>
+            <ac:picMk id="4" creationId="{91DFA8D5-C255-97BC-2505-84E75A879D23}"/>
+          </ac:picMkLst>
+        </pc:picChg>
+      </pc:sldChg>
+      <pc:sldChg chg="modSp">
+        <pc:chgData name="李 莘慈" userId="d6ed8ce8b59dd2fa" providerId="Windows Live" clId="Web-{72487C20-6FA7-4E86-AF37-AC80D7AF171F}" dt="2023-11-29T10:07:55.356" v="5" actId="1076"/>
+        <pc:sldMkLst>
+          <pc:docMk/>
+          <pc:sldMk cId="4125715897" sldId="260"/>
+        </pc:sldMkLst>
+        <pc:picChg chg="mod">
+          <ac:chgData name="李 莘慈" userId="d6ed8ce8b59dd2fa" providerId="Windows Live" clId="Web-{72487C20-6FA7-4E86-AF37-AC80D7AF171F}" dt="2023-11-29T10:07:55.356" v="5" actId="1076"/>
+          <ac:picMkLst>
+            <pc:docMk/>
+            <pc:sldMk cId="4125715897" sldId="260"/>
+            <ac:picMk id="4" creationId="{43DE9338-23B6-E5FF-E6BD-E01820CDFFDC}"/>
+          </ac:picMkLst>
+        </pc:picChg>
+      </pc:sldChg>
+      <pc:sldChg chg="modSp">
+        <pc:chgData name="李 莘慈" userId="d6ed8ce8b59dd2fa" providerId="Windows Live" clId="Web-{72487C20-6FA7-4E86-AF37-AC80D7AF171F}" dt="2023-11-29T10:07:43.575" v="3" actId="1076"/>
+        <pc:sldMkLst>
+          <pc:docMk/>
+          <pc:sldMk cId="473179208" sldId="261"/>
+        </pc:sldMkLst>
+        <pc:picChg chg="mod">
+          <ac:chgData name="李 莘慈" userId="d6ed8ce8b59dd2fa" providerId="Windows Live" clId="Web-{72487C20-6FA7-4E86-AF37-AC80D7AF171F}" dt="2023-11-29T10:07:43.575" v="3" actId="1076"/>
+          <ac:picMkLst>
+            <pc:docMk/>
+            <pc:sldMk cId="473179208" sldId="261"/>
+            <ac:picMk id="4" creationId="{461AE46B-6896-E2E3-7C15-0C930504A034}"/>
+          </ac:picMkLst>
+        </pc:picChg>
+      </pc:sldChg>
+      <pc:sldChg chg="modSp">
+        <pc:chgData name="李 莘慈" userId="d6ed8ce8b59dd2fa" providerId="Windows Live" clId="Web-{72487C20-6FA7-4E86-AF37-AC80D7AF171F}" dt="2023-11-29T10:08:08.935" v="7" actId="1076"/>
+        <pc:sldMkLst>
+          <pc:docMk/>
+          <pc:sldMk cId="2880185482" sldId="263"/>
+        </pc:sldMkLst>
+        <pc:picChg chg="mod">
+          <ac:chgData name="李 莘慈" userId="d6ed8ce8b59dd2fa" providerId="Windows Live" clId="Web-{72487C20-6FA7-4E86-AF37-AC80D7AF171F}" dt="2023-11-29T10:08:08.935" v="7" actId="1076"/>
+          <ac:picMkLst>
+            <pc:docMk/>
+            <pc:sldMk cId="2880185482" sldId="263"/>
+            <ac:picMk id="4" creationId="{61BDC2EB-3E33-EE05-16C7-E1BF63DF0E7B}"/>
+          </ac:picMkLst>
+        </pc:picChg>
+      </pc:sldChg>
+    </pc:docChg>
+  </pc:docChgLst>
   <pc:docChgLst>
     <pc:chgData name="李 莘慈" userId="d6ed8ce8b59dd2fa" providerId="Windows Live" clId="Web-{789C0F4A-146B-4291-93CD-1083A7236423}"/>
     <pc:docChg chg="addSld delSld modSld sldOrd addMainMaster delMainMaster">
@@ -3253,7 +3323,7 @@
           <a:lstStyle/>
           <a:p>
             <a:pPr algn="ctr"/>
-            <a:endParaRPr lang="en-US" dirty="0"/>
+            <a:endParaRPr lang="en-US"/>
           </a:p>
         </p:txBody>
       </p:sp>
@@ -3297,7 +3367,6 @@
               <a:rPr lang="en-US"/>
               <a:t>Click to edit Master title style</a:t>
             </a:r>
-            <a:endParaRPr lang="en-US" dirty="0"/>
           </a:p>
         </p:txBody>
       </p:sp>
@@ -3374,7 +3443,6 @@
               <a:rPr lang="en-US"/>
               <a:t>Click to edit Master subtitle style</a:t>
             </a:r>
-            <a:endParaRPr lang="en-US" dirty="0"/>
           </a:p>
         </p:txBody>
       </p:sp>
@@ -3410,9 +3478,9 @@
           <a:p>
             <a:fld id="{12241623-A064-4BED-B073-BA4D61433402}" type="datetime1">
               <a:rPr lang="en-US" smtClean="0"/>
-              <a:t>11/28/2023</a:t>
+              <a:t>11/29/2023</a:t>
             </a:fld>
-            <a:endParaRPr lang="en-US" dirty="0"/>
+            <a:endParaRPr lang="en-US"/>
           </a:p>
         </p:txBody>
       </p:sp>
@@ -3442,7 +3510,7 @@
           <a:bodyPr/>
           <a:lstStyle/>
           <a:p>
-            <a:endParaRPr lang="en-US" dirty="0"/>
+            <a:endParaRPr lang="en-US"/>
           </a:p>
         </p:txBody>
       </p:sp>
@@ -3481,7 +3549,7 @@
               <a:pPr/>
               <a:t>‹#›</a:t>
             </a:fld>
-            <a:endParaRPr lang="en-US" dirty="0"/>
+            <a:endParaRPr lang="en-US"/>
           </a:p>
         </p:txBody>
       </p:sp>
@@ -3670,7 +3738,7 @@
               <a:tabLst/>
               <a:defRPr/>
             </a:pPr>
-            <a:endParaRPr kumimoji="0" lang="en-US" sz="1800" b="0" i="0" u="none" strike="noStrike" kern="1200" cap="none" spc="0" normalizeH="0" baseline="0" noProof="0" dirty="0">
+            <a:endParaRPr kumimoji="0" lang="en-US" sz="1800" b="0" i="0" u="none" strike="noStrike" kern="1200" cap="none" spc="0" normalizeH="0" baseline="0" noProof="0">
               <a:ln>
                 <a:noFill/>
               </a:ln>
@@ -3872,7 +3940,7 @@
               <a:tabLst/>
               <a:defRPr/>
             </a:pPr>
-            <a:endParaRPr kumimoji="0" lang="en-US" sz="1800" b="0" i="0" u="none" strike="noStrike" kern="1200" cap="none" spc="0" normalizeH="0" baseline="0" noProof="0" dirty="0">
+            <a:endParaRPr kumimoji="0" lang="en-US" sz="1800" b="0" i="0" u="none" strike="noStrike" kern="1200" cap="none" spc="0" normalizeH="0" baseline="0" noProof="0">
               <a:ln>
                 <a:noFill/>
               </a:ln>
@@ -4142,7 +4210,6 @@
               <a:rPr lang="en-US"/>
               <a:t>Click to edit Master title style</a:t>
             </a:r>
-            <a:endParaRPr lang="en-US" dirty="0"/>
           </a:p>
         </p:txBody>
       </p:sp>
@@ -4194,7 +4261,6 @@
               <a:rPr lang="en-US"/>
               <a:t>Fifth level</a:t>
             </a:r>
-            <a:endParaRPr lang="en-US" dirty="0"/>
           </a:p>
         </p:txBody>
       </p:sp>
@@ -4221,9 +4287,9 @@
           <a:p>
             <a:fld id="{6F86ED0C-1DA7-41F0-94CF-6218B1FEDFF1}" type="datetime1">
               <a:rPr lang="en-US" smtClean="0"/>
-              <a:t>11/28/2023</a:t>
+              <a:t>11/29/2023</a:t>
             </a:fld>
-            <a:endParaRPr lang="en-US" dirty="0"/>
+            <a:endParaRPr lang="en-US"/>
           </a:p>
         </p:txBody>
       </p:sp>
@@ -4248,7 +4314,7 @@
           <a:bodyPr/>
           <a:lstStyle/>
           <a:p>
-            <a:endParaRPr lang="en-US" dirty="0"/>
+            <a:endParaRPr lang="en-US"/>
           </a:p>
         </p:txBody>
       </p:sp>
@@ -4279,7 +4345,7 @@
               <a:pPr algn="l"/>
               <a:t>‹#›</a:t>
             </a:fld>
-            <a:endParaRPr lang="en-US" dirty="0"/>
+            <a:endParaRPr lang="en-US"/>
           </a:p>
         </p:txBody>
       </p:sp>
@@ -4337,7 +4403,6 @@
               <a:rPr lang="en-US"/>
               <a:t>Click to edit Master title style</a:t>
             </a:r>
-            <a:endParaRPr lang="en-US" dirty="0"/>
           </a:p>
         </p:txBody>
       </p:sp>
@@ -4394,7 +4459,6 @@
               <a:rPr lang="en-US"/>
               <a:t>Fifth level</a:t>
             </a:r>
-            <a:endParaRPr lang="en-US" dirty="0"/>
           </a:p>
         </p:txBody>
       </p:sp>
@@ -4420,9 +4484,9 @@
           <a:p>
             <a:fld id="{EECF02AB-6034-4B88-BC5A-7C17CB0EF809}" type="datetime1">
               <a:rPr lang="en-US" smtClean="0"/>
-              <a:t>11/28/2023</a:t>
+              <a:t>11/29/2023</a:t>
             </a:fld>
-            <a:endParaRPr lang="en-US" dirty="0"/>
+            <a:endParaRPr lang="en-US"/>
           </a:p>
         </p:txBody>
       </p:sp>
@@ -4446,7 +4510,7 @@
           <a:bodyPr/>
           <a:lstStyle/>
           <a:p>
-            <a:endParaRPr lang="en-US" dirty="0"/>
+            <a:endParaRPr lang="en-US"/>
           </a:p>
         </p:txBody>
       </p:sp>
@@ -4479,7 +4543,7 @@
               <a:pPr/>
               <a:t>‹#›</a:t>
             </a:fld>
-            <a:endParaRPr lang="en-US" dirty="0"/>
+            <a:endParaRPr lang="en-US"/>
           </a:p>
         </p:txBody>
       </p:sp>
@@ -4576,7 +4640,6 @@
               <a:rPr lang="en-US"/>
               <a:t>Click to edit Master title style</a:t>
             </a:r>
-            <a:endParaRPr lang="en-US" dirty="0"/>
           </a:p>
         </p:txBody>
       </p:sp>
@@ -4628,7 +4691,6 @@
               <a:rPr lang="en-US"/>
               <a:t>Fifth level</a:t>
             </a:r>
-            <a:endParaRPr lang="en-US" dirty="0"/>
           </a:p>
         </p:txBody>
       </p:sp>
@@ -4655,9 +4717,9 @@
           <a:p>
             <a:fld id="{22F3E5F3-28EE-488F-BD53-B744C06C3DEC}" type="datetime1">
               <a:rPr lang="en-US" smtClean="0"/>
-              <a:t>11/28/2023</a:t>
+              <a:t>11/29/2023</a:t>
             </a:fld>
-            <a:endParaRPr lang="en-US" dirty="0"/>
+            <a:endParaRPr lang="en-US"/>
           </a:p>
         </p:txBody>
       </p:sp>
@@ -4682,7 +4744,7 @@
           <a:bodyPr/>
           <a:lstStyle/>
           <a:p>
-            <a:endParaRPr lang="en-US" dirty="0"/>
+            <a:endParaRPr lang="en-US"/>
           </a:p>
         </p:txBody>
       </p:sp>
@@ -4713,7 +4775,7 @@
               <a:pPr algn="l"/>
               <a:t>‹#›</a:t>
             </a:fld>
-            <a:endParaRPr lang="en-US" dirty="0"/>
+            <a:endParaRPr lang="en-US"/>
           </a:p>
         </p:txBody>
       </p:sp>
@@ -5993,7 +6055,7 @@
             <a:lstStyle/>
             <a:p>
               <a:pPr algn="ctr"/>
-              <a:endParaRPr lang="en-US" dirty="0"/>
+              <a:endParaRPr lang="en-US"/>
             </a:p>
           </p:txBody>
         </p:sp>
@@ -6188,7 +6250,7 @@
             <a:lstStyle/>
             <a:p>
               <a:pPr algn="ctr"/>
-              <a:endParaRPr lang="en-US" dirty="0"/>
+              <a:endParaRPr lang="en-US"/>
             </a:p>
           </p:txBody>
         </p:sp>
@@ -6345,7 +6407,7 @@
             <a:lstStyle/>
             <a:p>
               <a:pPr algn="ctr"/>
-              <a:endParaRPr lang="en-US" dirty="0"/>
+              <a:endParaRPr lang="en-US"/>
             </a:p>
           </p:txBody>
         </p:sp>
@@ -6889,7 +6951,7 @@
                 <a:tabLst/>
                 <a:defRPr/>
               </a:pPr>
-              <a:endParaRPr kumimoji="0" lang="en-US" sz="1800" b="0" i="0" u="none" strike="noStrike" kern="1200" cap="none" spc="0" normalizeH="0" baseline="0" noProof="0" dirty="0">
+              <a:endParaRPr kumimoji="0" lang="en-US" sz="1800" b="0" i="0" u="none" strike="noStrike" kern="1200" cap="none" spc="0" normalizeH="0" baseline="0" noProof="0">
                 <a:ln>
                   <a:noFill/>
                 </a:ln>
@@ -7065,7 +7127,7 @@
                 <a:tabLst/>
                 <a:defRPr/>
               </a:pPr>
-              <a:endParaRPr kumimoji="0" lang="en-US" sz="1800" b="0" i="0" u="none" strike="noStrike" kern="1200" cap="none" spc="0" normalizeH="0" baseline="0" noProof="0" dirty="0">
+              <a:endParaRPr kumimoji="0" lang="en-US" sz="1800" b="0" i="0" u="none" strike="noStrike" kern="1200" cap="none" spc="0" normalizeH="0" baseline="0" noProof="0">
                 <a:ln>
                   <a:noFill/>
                 </a:ln>
@@ -7123,7 +7185,6 @@
               <a:rPr lang="en-US"/>
               <a:t>Click to edit Master title style</a:t>
             </a:r>
-            <a:endParaRPr lang="en-US" dirty="0"/>
           </a:p>
         </p:txBody>
       </p:sp>
@@ -7153,7 +7214,7 @@
           <a:bodyPr/>
           <a:lstStyle/>
           <a:p>
-            <a:endParaRPr lang="en-US" dirty="0"/>
+            <a:endParaRPr lang="en-US"/>
           </a:p>
         </p:txBody>
       </p:sp>
@@ -7184,7 +7245,7 @@
               <a:pPr algn="l"/>
               <a:t>‹#›</a:t>
             </a:fld>
-            <a:endParaRPr lang="en-US" dirty="0"/>
+            <a:endParaRPr lang="en-US"/>
           </a:p>
         </p:txBody>
       </p:sp>
@@ -7348,9 +7409,9 @@
           <a:p>
             <a:fld id="{E72EB70D-CD01-44DA-83B3-8FEB3383D307}" type="datetime1">
               <a:rPr lang="en-US" smtClean="0"/>
-              <a:t>11/28/2023</a:t>
+              <a:t>11/29/2023</a:t>
             </a:fld>
-            <a:endParaRPr lang="en-US" dirty="0"/>
+            <a:endParaRPr lang="en-US"/>
           </a:p>
         </p:txBody>
       </p:sp>
@@ -7403,7 +7464,6 @@
               <a:rPr lang="en-US"/>
               <a:t>Click to edit Master title style</a:t>
             </a:r>
-            <a:endParaRPr lang="en-US" dirty="0"/>
           </a:p>
         </p:txBody>
       </p:sp>
@@ -7460,7 +7520,6 @@
               <a:rPr lang="en-US"/>
               <a:t>Fifth level</a:t>
             </a:r>
-            <a:endParaRPr lang="en-US" dirty="0"/>
           </a:p>
         </p:txBody>
       </p:sp>
@@ -7517,7 +7576,6 @@
               <a:rPr lang="en-US"/>
               <a:t>Fifth level</a:t>
             </a:r>
-            <a:endParaRPr lang="en-US" dirty="0"/>
           </a:p>
         </p:txBody>
       </p:sp>
@@ -7544,9 +7602,9 @@
           <a:p>
             <a:fld id="{D0158CFD-9357-46BE-A189-D637A67C8730}" type="datetime1">
               <a:rPr lang="en-US" smtClean="0"/>
-              <a:t>11/28/2023</a:t>
+              <a:t>11/29/2023</a:t>
             </a:fld>
-            <a:endParaRPr lang="en-US" dirty="0"/>
+            <a:endParaRPr lang="en-US"/>
           </a:p>
         </p:txBody>
       </p:sp>
@@ -7571,7 +7629,7 @@
           <a:bodyPr/>
           <a:lstStyle/>
           <a:p>
-            <a:endParaRPr lang="en-US" dirty="0"/>
+            <a:endParaRPr lang="en-US"/>
           </a:p>
         </p:txBody>
       </p:sp>
@@ -7602,7 +7660,7 @@
               <a:pPr algn="l"/>
               <a:t>‹#›</a:t>
             </a:fld>
-            <a:endParaRPr lang="en-US" dirty="0"/>
+            <a:endParaRPr lang="en-US"/>
           </a:p>
         </p:txBody>
       </p:sp>
@@ -7763,7 +7821,6 @@
               <a:rPr lang="en-US"/>
               <a:t>Fifth level</a:t>
             </a:r>
-            <a:endParaRPr lang="en-US" dirty="0"/>
           </a:p>
         </p:txBody>
       </p:sp>
@@ -7906,7 +7963,6 @@
               <a:rPr lang="en-US"/>
               <a:t>Fifth level</a:t>
             </a:r>
-            <a:endParaRPr lang="en-US" dirty="0"/>
           </a:p>
         </p:txBody>
       </p:sp>
@@ -7933,9 +7989,9 @@
           <a:p>
             <a:fld id="{7B4742EE-B331-4632-BD10-A82FED6B6FC0}" type="datetime1">
               <a:rPr lang="en-US" smtClean="0"/>
-              <a:t>11/28/2023</a:t>
+              <a:t>11/29/2023</a:t>
             </a:fld>
-            <a:endParaRPr lang="en-US" dirty="0"/>
+            <a:endParaRPr lang="en-US"/>
           </a:p>
         </p:txBody>
       </p:sp>
@@ -7960,7 +8016,7 @@
           <a:bodyPr/>
           <a:lstStyle/>
           <a:p>
-            <a:endParaRPr lang="en-US" dirty="0"/>
+            <a:endParaRPr lang="en-US"/>
           </a:p>
         </p:txBody>
       </p:sp>
@@ -7991,7 +8047,7 @@
               <a:pPr algn="l"/>
               <a:t>‹#›</a:t>
             </a:fld>
-            <a:endParaRPr lang="en-US" dirty="0"/>
+            <a:endParaRPr lang="en-US"/>
           </a:p>
         </p:txBody>
       </p:sp>
@@ -8072,7 +8128,6 @@
               <a:rPr lang="en-US"/>
               <a:t>Click to edit Master title style</a:t>
             </a:r>
-            <a:endParaRPr lang="en-US" dirty="0"/>
           </a:p>
         </p:txBody>
       </p:sp>
@@ -8099,9 +8154,9 @@
           <a:p>
             <a:fld id="{451BA835-D13F-49F4-8F11-5D576AC65FAD}" type="datetime1">
               <a:rPr lang="en-US" smtClean="0"/>
-              <a:t>11/28/2023</a:t>
+              <a:t>11/29/2023</a:t>
             </a:fld>
-            <a:endParaRPr lang="en-US" dirty="0"/>
+            <a:endParaRPr lang="en-US"/>
           </a:p>
         </p:txBody>
       </p:sp>
@@ -8126,7 +8181,7 @@
           <a:bodyPr/>
           <a:lstStyle/>
           <a:p>
-            <a:endParaRPr lang="en-US" dirty="0"/>
+            <a:endParaRPr lang="en-US"/>
           </a:p>
         </p:txBody>
       </p:sp>
@@ -8157,7 +8212,7 @@
               <a:pPr algn="l"/>
               <a:t>‹#›</a:t>
             </a:fld>
-            <a:endParaRPr lang="en-US" dirty="0"/>
+            <a:endParaRPr lang="en-US"/>
           </a:p>
         </p:txBody>
       </p:sp>
@@ -8222,9 +8277,9 @@
           <a:p>
             <a:fld id="{ADBD1799-ACB5-4CB2-86A2-5C574F1C8706}" type="datetime1">
               <a:rPr lang="en-US" smtClean="0"/>
-              <a:t>11/28/2023</a:t>
+              <a:t>11/29/2023</a:t>
             </a:fld>
-            <a:endParaRPr lang="en-US" dirty="0"/>
+            <a:endParaRPr lang="en-US"/>
           </a:p>
         </p:txBody>
       </p:sp>
@@ -8249,7 +8304,7 @@
           <a:bodyPr/>
           <a:lstStyle/>
           <a:p>
-            <a:endParaRPr lang="en-US" dirty="0"/>
+            <a:endParaRPr lang="en-US"/>
           </a:p>
         </p:txBody>
       </p:sp>
@@ -8280,7 +8335,7 @@
               <a:pPr algn="l"/>
               <a:t>‹#›</a:t>
             </a:fld>
-            <a:endParaRPr lang="en-US" dirty="0"/>
+            <a:endParaRPr lang="en-US"/>
           </a:p>
         </p:txBody>
       </p:sp>
@@ -8347,7 +8402,6 @@
               <a:rPr lang="en-US"/>
               <a:t>Click to edit Master title style</a:t>
             </a:r>
-            <a:endParaRPr lang="en-US" dirty="0"/>
           </a:p>
         </p:txBody>
       </p:sp>
@@ -8432,7 +8486,6 @@
               <a:rPr lang="en-US"/>
               <a:t>Fifth level</a:t>
             </a:r>
-            <a:endParaRPr lang="en-US" dirty="0"/>
           </a:p>
         </p:txBody>
       </p:sp>
@@ -8532,9 +8585,9 @@
           <a:p>
             <a:fld id="{ED5DD0D6-7A82-473E-879B-C6ECD6CCCFEC}" type="datetime1">
               <a:rPr lang="en-US" smtClean="0"/>
-              <a:t>11/28/2023</a:t>
+              <a:t>11/29/2023</a:t>
             </a:fld>
-            <a:endParaRPr lang="en-US" dirty="0"/>
+            <a:endParaRPr lang="en-US"/>
           </a:p>
         </p:txBody>
       </p:sp>
@@ -8564,7 +8617,7 @@
           <a:bodyPr/>
           <a:lstStyle/>
           <a:p>
-            <a:endParaRPr lang="en-US" dirty="0"/>
+            <a:endParaRPr lang="en-US"/>
           </a:p>
         </p:txBody>
       </p:sp>
@@ -8595,7 +8648,7 @@
               <a:pPr algn="l"/>
               <a:t>‹#›</a:t>
             </a:fld>
-            <a:endParaRPr lang="en-US" dirty="0"/>
+            <a:endParaRPr lang="en-US"/>
           </a:p>
         </p:txBody>
       </p:sp>
@@ -8695,7 +8748,6 @@
               <a:rPr lang="en-US"/>
               <a:t>Click icon to add picture</a:t>
             </a:r>
-            <a:endParaRPr lang="en-US" dirty="0"/>
           </a:p>
         </p:txBody>
       </p:sp>
@@ -8732,7 +8784,6 @@
               <a:rPr lang="en-US"/>
               <a:t>Click to edit Master title style</a:t>
             </a:r>
-            <a:endParaRPr lang="en-US" dirty="0"/>
           </a:p>
         </p:txBody>
       </p:sp>
@@ -8832,9 +8883,9 @@
           <a:p>
             <a:fld id="{D4605E03-BC17-41A7-854C-DFAB672737DC}" type="datetime1">
               <a:rPr lang="en-US" smtClean="0"/>
-              <a:t>11/28/2023</a:t>
+              <a:t>11/29/2023</a:t>
             </a:fld>
-            <a:endParaRPr lang="en-US" dirty="0"/>
+            <a:endParaRPr lang="en-US"/>
           </a:p>
         </p:txBody>
       </p:sp>
@@ -8879,7 +8930,7 @@
             </a:lvl1pPr>
           </a:lstStyle>
           <a:p>
-            <a:endParaRPr lang="en-US" dirty="0"/>
+            <a:endParaRPr lang="en-US"/>
           </a:p>
         </p:txBody>
       </p:sp>
@@ -8910,7 +8961,7 @@
               <a:pPr algn="l"/>
               <a:t>‹#›</a:t>
             </a:fld>
-            <a:endParaRPr lang="en-US" dirty="0"/>
+            <a:endParaRPr lang="en-US"/>
           </a:p>
         </p:txBody>
       </p:sp>
@@ -8981,7 +9032,6 @@
               <a:rPr lang="en-US"/>
               <a:t>Click to edit Master title style</a:t>
             </a:r>
-            <a:endParaRPr lang="en-US" dirty="0"/>
           </a:p>
         </p:txBody>
       </p:sp>
@@ -9043,7 +9093,6 @@
               <a:rPr lang="en-US"/>
               <a:t>Fifth level</a:t>
             </a:r>
-            <a:endParaRPr lang="en-US" dirty="0"/>
           </a:p>
         </p:txBody>
       </p:sp>
@@ -9084,9 +9133,9 @@
           <a:p>
             <a:fld id="{C4408324-A84C-4A45-93B6-78D079CCE772}" type="datetime1">
               <a:rPr lang="en-US" smtClean="0"/>
-              <a:t>11/28/2023</a:t>
+              <a:t>11/29/2023</a:t>
             </a:fld>
-            <a:endParaRPr lang="en-US" dirty="0"/>
+            <a:endParaRPr lang="en-US"/>
           </a:p>
         </p:txBody>
       </p:sp>
@@ -9125,7 +9174,7 @@
             </a:lvl1pPr>
           </a:lstStyle>
           <a:p>
-            <a:endParaRPr lang="en-US" dirty="0"/>
+            <a:endParaRPr lang="en-US"/>
           </a:p>
         </p:txBody>
       </p:sp>
@@ -9170,7 +9219,7 @@
               <a:pPr algn="l"/>
               <a:t>‹#›</a:t>
             </a:fld>
-            <a:endParaRPr lang="en-US" dirty="0"/>
+            <a:endParaRPr lang="en-US"/>
           </a:p>
         </p:txBody>
       </p:sp>
@@ -9646,7 +9695,7 @@
               <a:tabLst/>
               <a:defRPr/>
             </a:pPr>
-            <a:endParaRPr kumimoji="0" lang="en-US" sz="1800" b="0" i="0" u="none" strike="noStrike" kern="1200" cap="none" spc="0" normalizeH="0" baseline="0" noProof="0" dirty="0">
+            <a:endParaRPr kumimoji="0" lang="en-US" sz="1800" b="0" i="0" u="none" strike="noStrike" kern="1200" cap="none" spc="0" normalizeH="0" baseline="0" noProof="0">
               <a:ln>
                 <a:noFill/>
               </a:ln>
@@ -9911,7 +9960,7 @@
           <a:lstStyle/>
           <a:p>
             <a:pPr algn="ctr"/>
-            <a:endParaRPr lang="en-US" dirty="0"/>
+            <a:endParaRPr lang="en-US"/>
           </a:p>
         </p:txBody>
       </p:sp>
@@ -10111,7 +10160,7 @@
               <a:tabLst/>
               <a:defRPr/>
             </a:pPr>
-            <a:endParaRPr kumimoji="0" lang="en-US" sz="1800" b="0" i="0" u="none" strike="noStrike" kern="1200" cap="none" spc="0" normalizeH="0" baseline="0" noProof="0" dirty="0">
+            <a:endParaRPr kumimoji="0" lang="en-US" sz="1800" b="0" i="0" u="none" strike="noStrike" kern="1200" cap="none" spc="0" normalizeH="0" baseline="0" noProof="0">
               <a:ln>
                 <a:noFill/>
               </a:ln>
@@ -10404,7 +10453,7 @@
               <a:tabLst/>
               <a:defRPr/>
             </a:pPr>
-            <a:endParaRPr kumimoji="0" lang="en-US" sz="1800" b="0" i="0" u="none" strike="noStrike" kern="1200" cap="none" spc="0" normalizeH="0" baseline="0" noProof="0" dirty="0">
+            <a:endParaRPr kumimoji="0" lang="en-US" sz="1800" b="0" i="0" u="none" strike="noStrike" kern="1200" cap="none" spc="0" normalizeH="0" baseline="0" noProof="0">
               <a:ln>
                 <a:noFill/>
               </a:ln>
@@ -10700,7 +10749,7 @@
           <a:lstStyle/>
           <a:p>
             <a:pPr algn="ctr"/>
-            <a:endParaRPr lang="en-US" dirty="0"/>
+            <a:endParaRPr lang="en-US"/>
           </a:p>
         </p:txBody>
       </p:sp>
@@ -10838,7 +10887,7 @@
               <a:tabLst/>
               <a:defRPr/>
             </a:pPr>
-            <a:endParaRPr kumimoji="0" lang="en-US" sz="1800" b="0" i="0" u="none" strike="noStrike" kern="1200" cap="none" spc="0" normalizeH="0" baseline="0" noProof="0" dirty="0">
+            <a:endParaRPr kumimoji="0" lang="en-US" sz="1800" b="0" i="0" u="none" strike="noStrike" kern="1200" cap="none" spc="0" normalizeH="0" baseline="0" noProof="0">
               <a:ln>
                 <a:noFill/>
               </a:ln>
@@ -10989,7 +11038,7 @@
               <a:tabLst/>
               <a:defRPr/>
             </a:pPr>
-            <a:endParaRPr kumimoji="0" lang="en-US" sz="1800" b="0" i="0" u="none" strike="noStrike" kern="1200" cap="none" spc="0" normalizeH="0" baseline="0" noProof="0" dirty="0">
+            <a:endParaRPr kumimoji="0" lang="en-US" sz="1800" b="0" i="0" u="none" strike="noStrike" kern="1200" cap="none" spc="0" normalizeH="0" baseline="0" noProof="0">
               <a:ln>
                 <a:noFill/>
               </a:ln>
@@ -11261,7 +11310,7 @@
           <a:lstStyle/>
           <a:p>
             <a:pPr algn="ctr"/>
-            <a:endParaRPr lang="en-US" dirty="0"/>
+            <a:endParaRPr lang="en-US"/>
           </a:p>
         </p:txBody>
       </p:sp>
@@ -11399,7 +11448,7 @@
               <a:tabLst/>
               <a:defRPr/>
             </a:pPr>
-            <a:endParaRPr kumimoji="0" lang="en-US" sz="1800" b="0" i="0" u="none" strike="noStrike" kern="1200" cap="none" spc="0" normalizeH="0" baseline="0" noProof="0" dirty="0">
+            <a:endParaRPr kumimoji="0" lang="en-US" sz="1800" b="0" i="0" u="none" strike="noStrike" kern="1200" cap="none" spc="0" normalizeH="0" baseline="0" noProof="0">
               <a:ln>
                 <a:noFill/>
               </a:ln>
@@ -11550,7 +11599,7 @@
               <a:tabLst/>
               <a:defRPr/>
             </a:pPr>
-            <a:endParaRPr kumimoji="0" lang="en-US" sz="1800" b="0" i="0" u="none" strike="noStrike" kern="1200" cap="none" spc="0" normalizeH="0" baseline="0" noProof="0" dirty="0">
+            <a:endParaRPr kumimoji="0" lang="en-US" sz="1800" b="0" i="0" u="none" strike="noStrike" kern="1200" cap="none" spc="0" normalizeH="0" baseline="0" noProof="0">
               <a:ln>
                 <a:noFill/>
               </a:ln>
@@ -11792,7 +11841,7 @@
               <a:tabLst/>
               <a:defRPr/>
             </a:pPr>
-            <a:endParaRPr kumimoji="0" lang="en-US" sz="1800" b="0" i="0" u="none" strike="noStrike" kern="1200" cap="none" spc="0" normalizeH="0" baseline="0" noProof="0" dirty="0">
+            <a:endParaRPr kumimoji="0" lang="en-US" sz="1800" b="0" i="0" u="none" strike="noStrike" kern="1200" cap="none" spc="0" normalizeH="0" baseline="0" noProof="0">
               <a:ln>
                 <a:noFill/>
               </a:ln>
@@ -12282,7 +12331,7 @@
                 <a:tabLst/>
                 <a:defRPr/>
               </a:pPr>
-              <a:endParaRPr kumimoji="0" lang="en-US" sz="1800" b="0" i="0" u="none" strike="noStrike" kern="1200" cap="none" spc="0" normalizeH="0" baseline="0" noProof="0" dirty="0">
+              <a:endParaRPr kumimoji="0" lang="en-US" sz="1800" b="0" i="0" u="none" strike="noStrike" kern="1200" cap="none" spc="0" normalizeH="0" baseline="0" noProof="0">
                 <a:ln>
                   <a:noFill/>
                 </a:ln>
@@ -12493,7 +12542,7 @@
                 <a:tabLst/>
                 <a:defRPr/>
               </a:pPr>
-              <a:endParaRPr kumimoji="0" lang="en-US" sz="1800" b="0" i="0" u="none" strike="noStrike" kern="1200" cap="none" spc="0" normalizeH="0" baseline="0" noProof="0" dirty="0">
+              <a:endParaRPr kumimoji="0" lang="en-US" sz="1800" b="0" i="0" u="none" strike="noStrike" kern="1200" cap="none" spc="0" normalizeH="0" baseline="0" noProof="0">
                 <a:ln>
                   <a:noFill/>
                 </a:ln>
@@ -12917,7 +12966,7 @@
                 <a:tabLst/>
                 <a:defRPr/>
               </a:pPr>
-              <a:endParaRPr kumimoji="0" lang="en-US" sz="1800" b="0" i="0" u="none" strike="noStrike" kern="1200" cap="none" spc="0" normalizeH="0" baseline="0" noProof="0" dirty="0">
+              <a:endParaRPr kumimoji="0" lang="en-US" sz="1800" b="0" i="0" u="none" strike="noStrike" kern="1200" cap="none" spc="0" normalizeH="0" baseline="0" noProof="0">
                 <a:ln>
                   <a:noFill/>
                 </a:ln>
@@ -13128,7 +13177,7 @@
                 <a:tabLst/>
                 <a:defRPr/>
               </a:pPr>
-              <a:endParaRPr kumimoji="0" lang="en-US" sz="1800" b="0" i="0" u="none" strike="noStrike" kern="1200" cap="none" spc="0" normalizeH="0" baseline="0" noProof="0" dirty="0">
+              <a:endParaRPr kumimoji="0" lang="en-US" sz="1800" b="0" i="0" u="none" strike="noStrike" kern="1200" cap="none" spc="0" normalizeH="0" baseline="0" noProof="0">
                 <a:ln>
                   <a:noFill/>
                 </a:ln>
@@ -13393,7 +13442,7 @@
               </a:lnSpc>
             </a:pPr>
             <a:r>
-              <a:rPr lang="en-US" altLang="zh-TW" dirty="0">
+              <a:rPr lang="en-US" altLang="zh-TW">
                 <a:solidFill>
                   <a:srgbClr val="404040"/>
                 </a:solidFill>
@@ -13403,7 +13452,7 @@
               <a:t>Mock</a:t>
             </a:r>
             <a:r>
-              <a:rPr lang="zh-TW" altLang="en-US" dirty="0">
+              <a:rPr lang="zh-TW" altLang="en-US">
                 <a:solidFill>
                   <a:srgbClr val="404040"/>
                 </a:solidFill>
@@ -13413,7 +13462,7 @@
               <a:t> </a:t>
             </a:r>
             <a:r>
-              <a:rPr lang="en-US" altLang="zh-TW" dirty="0">
+              <a:rPr lang="en-US" altLang="zh-TW">
                 <a:solidFill>
                   <a:srgbClr val="404040"/>
                 </a:solidFill>
@@ -13422,7 +13471,7 @@
               </a:rPr>
               <a:t>Up</a:t>
             </a:r>
-            <a:endParaRPr lang="zh-TW" altLang="en-US" dirty="0"/>
+            <a:endParaRPr lang="zh-TW" altLang="en-US"/>
           </a:p>
         </p:txBody>
       </p:sp>
@@ -13626,7 +13675,7 @@
               <a:tabLst/>
               <a:defRPr/>
             </a:pPr>
-            <a:endParaRPr kumimoji="0" lang="en-US" sz="1800" b="0" i="0" u="none" strike="noStrike" kern="1200" cap="none" spc="0" normalizeH="0" baseline="0" noProof="0" dirty="0">
+            <a:endParaRPr kumimoji="0" lang="en-US" sz="1800" b="0" i="0" u="none" strike="noStrike" kern="1200" cap="none" spc="0" normalizeH="0" baseline="0" noProof="0">
               <a:ln>
                 <a:noFill/>
               </a:ln>
@@ -13715,7 +13764,7 @@
               </a:lnSpc>
             </a:pPr>
             <a:r>
-              <a:rPr lang="zh-TW" sz="1500" dirty="0">
+              <a:rPr lang="zh-TW" sz="1500">
                 <a:latin typeface="Calibri"/>
                 <a:cs typeface="Calibri"/>
                 <a:hlinkClick r:id="rId2"/>
@@ -13723,7 +13772,7 @@
               <a:t>https://miurabase.com/concept/</a:t>
             </a:r>
             <a:r>
-              <a:rPr lang="en-US" altLang="zh-TW" sz="1500" dirty="0">
+              <a:rPr lang="en-US" altLang="zh-TW" sz="1500">
                 <a:latin typeface="Microsoft JhengHei"/>
                 <a:ea typeface="+mn-lt"/>
               </a:rPr>
@@ -13737,13 +13786,13 @@
               <a:t>溫暖標語</a:t>
             </a:r>
             <a:r>
-              <a:rPr lang="en-US" altLang="zh-TW" sz="1500" dirty="0">
+              <a:rPr lang="en-US" altLang="zh-TW" sz="1500">
                 <a:latin typeface="Microsoft JhengHei"/>
                 <a:ea typeface="+mn-lt"/>
               </a:rPr>
               <a:t>)</a:t>
             </a:r>
-            <a:endParaRPr lang="zh-TW" sz="1500" dirty="0"/>
+            <a:endParaRPr lang="zh-TW" sz="1500"/>
           </a:p>
           <a:p>
             <a:pPr>
@@ -14134,7 +14183,7 @@
           <a:lstStyle/>
           <a:p>
             <a:pPr algn="ctr"/>
-            <a:endParaRPr lang="en-US" dirty="0"/>
+            <a:endParaRPr lang="en-US"/>
           </a:p>
         </p:txBody>
       </p:sp>
@@ -14334,7 +14383,7 @@
               <a:tabLst/>
               <a:defRPr/>
             </a:pPr>
-            <a:endParaRPr kumimoji="0" lang="en-US" sz="1800" b="0" i="0" u="none" strike="noStrike" kern="1200" cap="none" spc="0" normalizeH="0" baseline="0" noProof="0" dirty="0">
+            <a:endParaRPr kumimoji="0" lang="en-US" sz="1800" b="0" i="0" u="none" strike="noStrike" kern="1200" cap="none" spc="0" normalizeH="0" baseline="0" noProof="0">
               <a:ln>
                 <a:noFill/>
               </a:ln>
@@ -14547,7 +14596,7 @@
               <a:tabLst/>
               <a:defRPr/>
             </a:pPr>
-            <a:endParaRPr kumimoji="0" lang="en-US" sz="1800" b="0" i="0" u="none" strike="noStrike" kern="1200" cap="none" spc="0" normalizeH="0" baseline="0" noProof="0" dirty="0">
+            <a:endParaRPr kumimoji="0" lang="en-US" sz="1800" b="0" i="0" u="none" strike="noStrike" kern="1200" cap="none" spc="0" normalizeH="0" baseline="0" noProof="0">
               <a:ln>
                 <a:noFill/>
               </a:ln>
@@ -14796,7 +14845,7 @@
           <a:lstStyle/>
           <a:p>
             <a:pPr algn="ctr"/>
-            <a:endParaRPr lang="en-US" dirty="0"/>
+            <a:endParaRPr lang="en-US"/>
           </a:p>
         </p:txBody>
       </p:sp>
@@ -14934,7 +14983,7 @@
               <a:tabLst/>
               <a:defRPr/>
             </a:pPr>
-            <a:endParaRPr kumimoji="0" lang="en-US" sz="1800" b="0" i="0" u="none" strike="noStrike" kern="1200" cap="none" spc="0" normalizeH="0" baseline="0" noProof="0" dirty="0">
+            <a:endParaRPr kumimoji="0" lang="en-US" sz="1800" b="0" i="0" u="none" strike="noStrike" kern="1200" cap="none" spc="0" normalizeH="0" baseline="0" noProof="0">
               <a:ln>
                 <a:noFill/>
               </a:ln>
@@ -15085,7 +15134,7 @@
               <a:tabLst/>
               <a:defRPr/>
             </a:pPr>
-            <a:endParaRPr kumimoji="0" lang="en-US" sz="1800" b="0" i="0" u="none" strike="noStrike" kern="1200" cap="none" spc="0" normalizeH="0" baseline="0" noProof="0" dirty="0">
+            <a:endParaRPr kumimoji="0" lang="en-US" sz="1800" b="0" i="0" u="none" strike="noStrike" kern="1200" cap="none" spc="0" normalizeH="0" baseline="0" noProof="0">
               <a:ln>
                 <a:noFill/>
               </a:ln>
@@ -15357,7 +15406,7 @@
           <a:lstStyle/>
           <a:p>
             <a:pPr algn="ctr"/>
-            <a:endParaRPr lang="en-US" dirty="0"/>
+            <a:endParaRPr lang="en-US"/>
           </a:p>
         </p:txBody>
       </p:sp>
@@ -15495,7 +15544,7 @@
               <a:tabLst/>
               <a:defRPr/>
             </a:pPr>
-            <a:endParaRPr kumimoji="0" lang="en-US" sz="1800" b="0" i="0" u="none" strike="noStrike" kern="1200" cap="none" spc="0" normalizeH="0" baseline="0" noProof="0" dirty="0">
+            <a:endParaRPr kumimoji="0" lang="en-US" sz="1800" b="0" i="0" u="none" strike="noStrike" kern="1200" cap="none" spc="0" normalizeH="0" baseline="0" noProof="0">
               <a:ln>
                 <a:noFill/>
               </a:ln>
@@ -15646,7 +15695,7 @@
               <a:tabLst/>
               <a:defRPr/>
             </a:pPr>
-            <a:endParaRPr kumimoji="0" lang="en-US" sz="1800" b="0" i="0" u="none" strike="noStrike" kern="1200" cap="none" spc="0" normalizeH="0" baseline="0" noProof="0" dirty="0">
+            <a:endParaRPr kumimoji="0" lang="en-US" sz="1800" b="0" i="0" u="none" strike="noStrike" kern="1200" cap="none" spc="0" normalizeH="0" baseline="0" noProof="0">
               <a:ln>
                 <a:noFill/>
               </a:ln>
@@ -15888,7 +15937,7 @@
               <a:tabLst/>
               <a:defRPr/>
             </a:pPr>
-            <a:endParaRPr kumimoji="0" lang="en-US" sz="1800" b="0" i="0" u="none" strike="noStrike" kern="1200" cap="none" spc="0" normalizeH="0" baseline="0" noProof="0" dirty="0">
+            <a:endParaRPr kumimoji="0" lang="en-US" sz="1800" b="0" i="0" u="none" strike="noStrike" kern="1200" cap="none" spc="0" normalizeH="0" baseline="0" noProof="0">
               <a:ln>
                 <a:noFill/>
               </a:ln>
@@ -16288,7 +16337,7 @@
               <a:tabLst/>
               <a:defRPr/>
             </a:pPr>
-            <a:endParaRPr kumimoji="0" lang="en-US" sz="1800" b="0" i="0" u="none" strike="noStrike" kern="1200" cap="none" spc="0" normalizeH="0" baseline="0" noProof="0" dirty="0">
+            <a:endParaRPr kumimoji="0" lang="en-US" sz="1800" b="0" i="0" u="none" strike="noStrike" kern="1200" cap="none" spc="0" normalizeH="0" baseline="0" noProof="0">
               <a:ln>
                 <a:noFill/>
               </a:ln>
@@ -16501,7 +16550,7 @@
               <a:tabLst/>
               <a:defRPr/>
             </a:pPr>
-            <a:endParaRPr kumimoji="0" lang="en-US" sz="1800" b="0" i="0" u="none" strike="noStrike" kern="1200" cap="none" spc="0" normalizeH="0" baseline="0" noProof="0" dirty="0">
+            <a:endParaRPr kumimoji="0" lang="en-US" sz="1800" b="0" i="0" u="none" strike="noStrike" kern="1200" cap="none" spc="0" normalizeH="0" baseline="0" noProof="0">
               <a:ln>
                 <a:noFill/>
               </a:ln>
@@ -16675,7 +16724,7 @@
               <a:tabLst/>
               <a:defRPr/>
             </a:pPr>
-            <a:endParaRPr kumimoji="0" lang="en-US" sz="1800" b="0" i="0" u="none" strike="noStrike" kern="1200" cap="none" spc="0" normalizeH="0" baseline="0" noProof="0" dirty="0">
+            <a:endParaRPr kumimoji="0" lang="en-US" sz="1800" b="0" i="0" u="none" strike="noStrike" kern="1200" cap="none" spc="0" normalizeH="0" baseline="0" noProof="0">
               <a:ln>
                 <a:noFill/>
               </a:ln>
@@ -17191,7 +17240,7 @@
                 <a:tabLst/>
                 <a:defRPr/>
               </a:pPr>
-              <a:endParaRPr kumimoji="0" lang="en-US" sz="1800" b="0" i="0" u="none" strike="noStrike" kern="1200" cap="none" spc="0" normalizeH="0" baseline="0" noProof="0" dirty="0">
+              <a:endParaRPr kumimoji="0" lang="en-US" sz="1800" b="0" i="0" u="none" strike="noStrike" kern="1200" cap="none" spc="0" normalizeH="0" baseline="0" noProof="0">
                 <a:ln>
                   <a:noFill/>
                 </a:ln>
@@ -17402,7 +17451,7 @@
                 <a:tabLst/>
                 <a:defRPr/>
               </a:pPr>
-              <a:endParaRPr kumimoji="0" lang="en-US" sz="1800" b="0" i="0" u="none" strike="noStrike" kern="1200" cap="none" spc="0" normalizeH="0" baseline="0" noProof="0" dirty="0">
+              <a:endParaRPr kumimoji="0" lang="en-US" sz="1800" b="0" i="0" u="none" strike="noStrike" kern="1200" cap="none" spc="0" normalizeH="0" baseline="0" noProof="0">
                 <a:ln>
                   <a:noFill/>
                 </a:ln>
@@ -17719,7 +17768,7 @@
             <a:pPr marL="342900" indent="-342900">
               <a:buAutoNum type="arabicPeriod"/>
             </a:pPr>
-            <a:endParaRPr lang="zh-TW" altLang="en-US" sz="2400" dirty="0">
+            <a:endParaRPr lang="zh-TW" altLang="en-US" sz="2400">
               <a:ea typeface="Meiryo"/>
             </a:endParaRPr>
           </a:p>
@@ -17730,12 +17779,9 @@
               </a:rPr>
               <a:t>2.  LOGO設計</a:t>
             </a:r>
-            <a:endParaRPr lang="zh-TW" altLang="en-US" sz="2400" dirty="0">
-              <a:ea typeface="Meiryo"/>
-            </a:endParaRPr>
           </a:p>
           <a:p>
-            <a:endParaRPr lang="zh-TW" altLang="en-US" sz="2400" dirty="0">
+            <a:endParaRPr lang="zh-TW" altLang="en-US" sz="2400">
               <a:ea typeface="Meiryo"/>
             </a:endParaRPr>
           </a:p>
@@ -17746,12 +17792,9 @@
               </a:rPr>
               <a:t>3.  主要配色及字體</a:t>
             </a:r>
-            <a:endParaRPr lang="zh-TW" altLang="en-US" sz="2400" dirty="0">
-              <a:ea typeface="Meiryo"/>
-            </a:endParaRPr>
           </a:p>
           <a:p>
-            <a:endParaRPr lang="zh-TW" altLang="en-US" sz="2400" dirty="0">
+            <a:endParaRPr lang="zh-TW" altLang="en-US" sz="2400">
               <a:ea typeface="Meiryo"/>
             </a:endParaRPr>
           </a:p>
@@ -17762,12 +17805,9 @@
               </a:rPr>
               <a:t>4.  網站架構圖</a:t>
             </a:r>
-            <a:endParaRPr lang="zh-TW" altLang="en-US" sz="2400" dirty="0">
-              <a:ea typeface="Meiryo"/>
-            </a:endParaRPr>
           </a:p>
           <a:p>
-            <a:endParaRPr lang="zh-TW" altLang="en-US" sz="2400" dirty="0">
+            <a:endParaRPr lang="zh-TW" altLang="en-US" sz="2400">
               <a:ea typeface="Meiryo"/>
             </a:endParaRPr>
           </a:p>
@@ -17778,12 +17818,9 @@
               </a:rPr>
               <a:t>5.  Mock Up</a:t>
             </a:r>
-            <a:endParaRPr lang="zh-TW" altLang="en-US" sz="2400" dirty="0">
-              <a:ea typeface="Meiryo"/>
-            </a:endParaRPr>
           </a:p>
           <a:p>
-            <a:endParaRPr lang="zh-TW" altLang="en-US" sz="2400" dirty="0">
+            <a:endParaRPr lang="zh-TW" altLang="en-US" sz="2400">
               <a:ea typeface="Meiryo"/>
             </a:endParaRPr>
           </a:p>
@@ -17794,9 +17831,6 @@
               </a:rPr>
               <a:t>6.  參考網站</a:t>
             </a:r>
-            <a:endParaRPr lang="zh-TW" altLang="en-US" sz="2400" dirty="0">
-              <a:ea typeface="Meiryo"/>
-            </a:endParaRPr>
           </a:p>
         </p:txBody>
       </p:sp>
@@ -17935,7 +17969,7 @@
               <a:tabLst/>
               <a:defRPr/>
             </a:pPr>
-            <a:endParaRPr kumimoji="0" lang="en-US" sz="1800" b="0" i="0" u="none" strike="noStrike" kern="1200" cap="none" spc="0" normalizeH="0" baseline="0" noProof="0" dirty="0">
+            <a:endParaRPr kumimoji="0" lang="en-US" sz="1800" b="0" i="0" u="none" strike="noStrike" kern="1200" cap="none" spc="0" normalizeH="0" baseline="0" noProof="0">
               <a:ln>
                 <a:noFill/>
               </a:ln>
@@ -18361,7 +18395,7 @@
                 <a:tabLst/>
                 <a:defRPr/>
               </a:pPr>
-              <a:endParaRPr kumimoji="0" lang="en-US" sz="1800" b="0" i="0" u="none" strike="noStrike" kern="1200" cap="none" spc="0" normalizeH="0" baseline="0" noProof="0" dirty="0">
+              <a:endParaRPr kumimoji="0" lang="en-US" sz="1800" b="0" i="0" u="none" strike="noStrike" kern="1200" cap="none" spc="0" normalizeH="0" baseline="0" noProof="0">
                 <a:ln>
                   <a:noFill/>
                 </a:ln>
@@ -18572,7 +18606,7 @@
                 <a:tabLst/>
                 <a:defRPr/>
               </a:pPr>
-              <a:endParaRPr kumimoji="0" lang="en-US" sz="1800" b="0" i="0" u="none" strike="noStrike" kern="1200" cap="none" spc="0" normalizeH="0" baseline="0" noProof="0" dirty="0">
+              <a:endParaRPr kumimoji="0" lang="en-US" sz="1800" b="0" i="0" u="none" strike="noStrike" kern="1200" cap="none" spc="0" normalizeH="0" baseline="0" noProof="0">
                 <a:ln>
                   <a:noFill/>
                 </a:ln>
@@ -18651,9 +18685,6 @@
               </a:rPr>
               <a:t>去面對現實生活</a:t>
             </a:r>
-            <a:endParaRPr lang="zh-TW" altLang="en-US" sz="2400" dirty="0">
-              <a:ea typeface="Meiryo"/>
-            </a:endParaRPr>
           </a:p>
         </p:txBody>
       </p:sp>
@@ -18767,7 +18798,7 @@
               <a:tabLst/>
               <a:defRPr/>
             </a:pPr>
-            <a:endParaRPr kumimoji="0" lang="en-US" sz="1800" b="0" i="0" u="none" strike="noStrike" kern="1200" cap="none" spc="0" normalizeH="0" baseline="0" noProof="0" dirty="0">
+            <a:endParaRPr kumimoji="0" lang="en-US" sz="1800" b="0" i="0" u="none" strike="noStrike" kern="1200" cap="none" spc="0" normalizeH="0" baseline="0" noProof="0">
               <a:ln>
                 <a:noFill/>
               </a:ln>
@@ -19044,7 +19075,7 @@
           <a:lstStyle/>
           <a:p>
             <a:pPr algn="ctr"/>
-            <a:endParaRPr lang="en-US" dirty="0"/>
+            <a:endParaRPr lang="en-US"/>
           </a:p>
         </p:txBody>
       </p:sp>
@@ -19268,7 +19299,7 @@
           <a:lstStyle/>
           <a:p>
             <a:pPr algn="ctr"/>
-            <a:endParaRPr lang="en-US" dirty="0"/>
+            <a:endParaRPr lang="en-US"/>
           </a:p>
         </p:txBody>
       </p:sp>
@@ -19492,7 +19523,7 @@
           <a:lstStyle/>
           <a:p>
             <a:pPr algn="ctr"/>
-            <a:endParaRPr lang="en-US" dirty="0"/>
+            <a:endParaRPr lang="en-US"/>
           </a:p>
         </p:txBody>
       </p:sp>
@@ -19518,8 +19549,8 @@
         </p:blipFill>
         <p:spPr>
           <a:xfrm>
-            <a:off x="2204625" y="2338045"/>
-            <a:ext cx="2067183" cy="2146335"/>
+            <a:off x="2550065" y="2703805"/>
+            <a:ext cx="1376303" cy="1424975"/>
           </a:xfrm>
           <a:prstGeom prst="rect">
             <a:avLst/>
@@ -19788,7 +19819,7 @@
           <a:lstStyle/>
           <a:p>
             <a:pPr algn="ctr"/>
-            <a:endParaRPr lang="en-US" dirty="0"/>
+            <a:endParaRPr lang="en-US"/>
           </a:p>
         </p:txBody>
       </p:sp>
@@ -19926,7 +19957,7 @@
               <a:tabLst/>
               <a:defRPr/>
             </a:pPr>
-            <a:endParaRPr kumimoji="0" lang="en-US" sz="1800" b="0" i="0" u="none" strike="noStrike" kern="1200" cap="none" spc="0" normalizeH="0" baseline="0" noProof="0" dirty="0">
+            <a:endParaRPr kumimoji="0" lang="en-US" sz="1800" b="0" i="0" u="none" strike="noStrike" kern="1200" cap="none" spc="0" normalizeH="0" baseline="0" noProof="0">
               <a:ln>
                 <a:noFill/>
               </a:ln>
@@ -20077,7 +20108,7 @@
               <a:tabLst/>
               <a:defRPr/>
             </a:pPr>
-            <a:endParaRPr kumimoji="0" lang="en-US" sz="1800" b="0" i="0" u="none" strike="noStrike" kern="1200" cap="none" spc="0" normalizeH="0" baseline="0" noProof="0" dirty="0">
+            <a:endParaRPr kumimoji="0" lang="en-US" sz="1800" b="0" i="0" u="none" strike="noStrike" kern="1200" cap="none" spc="0" normalizeH="0" baseline="0" noProof="0">
               <a:ln>
                 <a:noFill/>
               </a:ln>
@@ -20349,7 +20380,7 @@
           <a:lstStyle/>
           <a:p>
             <a:pPr algn="ctr"/>
-            <a:endParaRPr lang="en-US" dirty="0"/>
+            <a:endParaRPr lang="en-US"/>
           </a:p>
         </p:txBody>
       </p:sp>
@@ -20487,7 +20518,7 @@
               <a:tabLst/>
               <a:defRPr/>
             </a:pPr>
-            <a:endParaRPr kumimoji="0" lang="en-US" sz="1800" b="0" i="0" u="none" strike="noStrike" kern="1200" cap="none" spc="0" normalizeH="0" baseline="0" noProof="0" dirty="0">
+            <a:endParaRPr kumimoji="0" lang="en-US" sz="1800" b="0" i="0" u="none" strike="noStrike" kern="1200" cap="none" spc="0" normalizeH="0" baseline="0" noProof="0">
               <a:ln>
                 <a:noFill/>
               </a:ln>
@@ -20638,7 +20669,7 @@
               <a:tabLst/>
               <a:defRPr/>
             </a:pPr>
-            <a:endParaRPr kumimoji="0" lang="en-US" sz="1800" b="0" i="0" u="none" strike="noStrike" kern="1200" cap="none" spc="0" normalizeH="0" baseline="0" noProof="0" dirty="0">
+            <a:endParaRPr kumimoji="0" lang="en-US" sz="1800" b="0" i="0" u="none" strike="noStrike" kern="1200" cap="none" spc="0" normalizeH="0" baseline="0" noProof="0">
               <a:ln>
                 <a:noFill/>
               </a:ln>
@@ -21119,7 +21150,7 @@
           <a:lstStyle/>
           <a:p>
             <a:pPr algn="ctr"/>
-            <a:endParaRPr lang="en-US" dirty="0"/>
+            <a:endParaRPr lang="en-US"/>
           </a:p>
         </p:txBody>
       </p:sp>
@@ -21345,7 +21376,7 @@
           <a:lstStyle/>
           <a:p>
             <a:pPr algn="ctr"/>
-            <a:endParaRPr lang="en-US" dirty="0"/>
+            <a:endParaRPr lang="en-US"/>
           </a:p>
         </p:txBody>
       </p:sp>
@@ -21569,7 +21600,7 @@
           <a:lstStyle/>
           <a:p>
             <a:pPr algn="ctr"/>
-            <a:endParaRPr lang="en-US" dirty="0"/>
+            <a:endParaRPr lang="en-US"/>
           </a:p>
         </p:txBody>
       </p:sp>
@@ -21640,8 +21671,8 @@
         </p:blipFill>
         <p:spPr>
           <a:xfrm>
-            <a:off x="893652" y="1324467"/>
-            <a:ext cx="6012491" cy="4222329"/>
+            <a:off x="1157812" y="1578467"/>
+            <a:ext cx="5311451" cy="3744809"/>
           </a:xfrm>
           <a:prstGeom prst="rect">
             <a:avLst/>
@@ -21733,8 +21764,8 @@
         </p:blipFill>
         <p:spPr>
           <a:xfrm>
-            <a:off x="1763678" y="2561107"/>
-            <a:ext cx="6096000" cy="3570731"/>
+            <a:off x="2271678" y="2703347"/>
+            <a:ext cx="5293360" cy="3093211"/>
           </a:xfrm>
         </p:spPr>
       </p:pic>
@@ -21776,12 +21807,9 @@
               </a:rPr>
               <a:t>文字字體:</a:t>
             </a:r>
-            <a:endParaRPr lang="zh-TW" altLang="en-US" sz="2400" dirty="0">
-              <a:ea typeface="Meiryo"/>
-            </a:endParaRPr>
           </a:p>
           <a:p>
-            <a:endParaRPr lang="zh-TW" altLang="en-US" sz="2400" dirty="0">
+            <a:endParaRPr lang="zh-TW" altLang="en-US" sz="2400">
               <a:ea typeface="Meiryo"/>
             </a:endParaRPr>
           </a:p>
@@ -21905,7 +21933,7 @@
               <a:tabLst/>
               <a:defRPr/>
             </a:pPr>
-            <a:endParaRPr kumimoji="0" lang="en-US" sz="1800" b="0" i="0" u="none" strike="noStrike" kern="1200" cap="none" spc="0" normalizeH="0" baseline="0" noProof="0" dirty="0">
+            <a:endParaRPr kumimoji="0" lang="en-US" sz="1800" b="0" i="0" u="none" strike="noStrike" kern="1200" cap="none" spc="0" normalizeH="0" baseline="0" noProof="0">
               <a:ln>
                 <a:noFill/>
               </a:ln>
@@ -22127,7 +22155,7 @@
             <a:lstStyle/>
             <a:p>
               <a:pPr algn="ctr"/>
-              <a:endParaRPr lang="en-US" dirty="0"/>
+              <a:endParaRPr lang="en-US"/>
             </a:p>
           </p:txBody>
         </p:sp>
@@ -22325,7 +22353,7 @@
                 <a:tabLst/>
                 <a:defRPr/>
               </a:pPr>
-              <a:endParaRPr kumimoji="0" lang="en-US" sz="1800" b="0" i="0" u="none" strike="noStrike" kern="1200" cap="none" spc="0" normalizeH="0" baseline="0" noProof="0" dirty="0">
+              <a:endParaRPr kumimoji="0" lang="en-US" sz="1800" b="0" i="0" u="none" strike="noStrike" kern="1200" cap="none" spc="0" normalizeH="0" baseline="0" noProof="0">
                 <a:ln>
                   <a:noFill/>
                 </a:ln>
@@ -22536,7 +22564,7 @@
                 <a:tabLst/>
                 <a:defRPr/>
               </a:pPr>
-              <a:endParaRPr kumimoji="0" lang="en-US" sz="1800" b="0" i="0" u="none" strike="noStrike" kern="1200" cap="none" spc="0" normalizeH="0" baseline="0" noProof="0" dirty="0">
+              <a:endParaRPr kumimoji="0" lang="en-US" sz="1800" b="0" i="0" u="none" strike="noStrike" kern="1200" cap="none" spc="0" normalizeH="0" baseline="0" noProof="0">
                 <a:ln>
                   <a:noFill/>
                 </a:ln>
@@ -22576,8 +22604,8 @@
         </p:blipFill>
         <p:spPr>
           <a:xfrm>
-            <a:off x="5035508" y="1620397"/>
-            <a:ext cx="8018051" cy="3617204"/>
+            <a:off x="5492708" y="1894717"/>
+            <a:ext cx="7012211" cy="3160004"/>
           </a:xfrm>
           <a:prstGeom prst="rect">
             <a:avLst/>
@@ -22763,7 +22791,7 @@
           <a:lstStyle/>
           <a:p>
             <a:pPr algn="ctr"/>
-            <a:endParaRPr lang="en-US" dirty="0"/>
+            <a:endParaRPr lang="en-US"/>
           </a:p>
         </p:txBody>
       </p:sp>
@@ -22901,7 +22929,7 @@
               <a:tabLst/>
               <a:defRPr/>
             </a:pPr>
-            <a:endParaRPr kumimoji="0" lang="en-US" sz="1800" b="0" i="0" u="none" strike="noStrike" kern="1200" cap="none" spc="0" normalizeH="0" baseline="0" noProof="0" dirty="0">
+            <a:endParaRPr kumimoji="0" lang="en-US" sz="1800" b="0" i="0" u="none" strike="noStrike" kern="1200" cap="none" spc="0" normalizeH="0" baseline="0" noProof="0">
               <a:ln>
                 <a:noFill/>
               </a:ln>
@@ -23052,7 +23080,7 @@
               <a:tabLst/>
               <a:defRPr/>
             </a:pPr>
-            <a:endParaRPr kumimoji="0" lang="en-US" sz="1800" b="0" i="0" u="none" strike="noStrike" kern="1200" cap="none" spc="0" normalizeH="0" baseline="0" noProof="0" dirty="0">
+            <a:endParaRPr kumimoji="0" lang="en-US" sz="1800" b="0" i="0" u="none" strike="noStrike" kern="1200" cap="none" spc="0" normalizeH="0" baseline="0" noProof="0">
               <a:ln>
                 <a:noFill/>
               </a:ln>
@@ -23324,7 +23352,7 @@
           <a:lstStyle/>
           <a:p>
             <a:pPr algn="ctr"/>
-            <a:endParaRPr lang="en-US" dirty="0"/>
+            <a:endParaRPr lang="en-US"/>
           </a:p>
         </p:txBody>
       </p:sp>
@@ -23462,7 +23490,7 @@
               <a:tabLst/>
               <a:defRPr/>
             </a:pPr>
-            <a:endParaRPr kumimoji="0" lang="en-US" sz="1800" b="0" i="0" u="none" strike="noStrike" kern="1200" cap="none" spc="0" normalizeH="0" baseline="0" noProof="0" dirty="0">
+            <a:endParaRPr kumimoji="0" lang="en-US" sz="1800" b="0" i="0" u="none" strike="noStrike" kern="1200" cap="none" spc="0" normalizeH="0" baseline="0" noProof="0">
               <a:ln>
                 <a:noFill/>
               </a:ln>
@@ -23613,7 +23641,7 @@
               <a:tabLst/>
               <a:defRPr/>
             </a:pPr>
-            <a:endParaRPr kumimoji="0" lang="en-US" sz="1800" b="0" i="0" u="none" strike="noStrike" kern="1200" cap="none" spc="0" normalizeH="0" baseline="0" noProof="0" dirty="0">
+            <a:endParaRPr kumimoji="0" lang="en-US" sz="1800" b="0" i="0" u="none" strike="noStrike" kern="1200" cap="none" spc="0" normalizeH="0" baseline="0" noProof="0">
               <a:ln>
                 <a:noFill/>
               </a:ln>
@@ -23855,7 +23883,7 @@
               <a:tabLst/>
               <a:defRPr/>
             </a:pPr>
-            <a:endParaRPr kumimoji="0" lang="en-US" sz="1800" b="0" i="0" u="none" strike="noStrike" kern="1200" cap="none" spc="0" normalizeH="0" baseline="0" noProof="0" dirty="0">
+            <a:endParaRPr kumimoji="0" lang="en-US" sz="1800" b="0" i="0" u="none" strike="noStrike" kern="1200" cap="none" spc="0" normalizeH="0" baseline="0" noProof="0">
               <a:ln>
                 <a:noFill/>
               </a:ln>
@@ -24345,7 +24373,7 @@
                 <a:tabLst/>
                 <a:defRPr/>
               </a:pPr>
-              <a:endParaRPr kumimoji="0" lang="en-US" sz="1800" b="0" i="0" u="none" strike="noStrike" kern="1200" cap="none" spc="0" normalizeH="0" baseline="0" noProof="0" dirty="0">
+              <a:endParaRPr kumimoji="0" lang="en-US" sz="1800" b="0" i="0" u="none" strike="noStrike" kern="1200" cap="none" spc="0" normalizeH="0" baseline="0" noProof="0">
                 <a:ln>
                   <a:noFill/>
                 </a:ln>
@@ -24556,7 +24584,7 @@
                 <a:tabLst/>
                 <a:defRPr/>
               </a:pPr>
-              <a:endParaRPr kumimoji="0" lang="en-US" sz="1800" b="0" i="0" u="none" strike="noStrike" kern="1200" cap="none" spc="0" normalizeH="0" baseline="0" noProof="0" dirty="0">
+              <a:endParaRPr kumimoji="0" lang="en-US" sz="1800" b="0" i="0" u="none" strike="noStrike" kern="1200" cap="none" spc="0" normalizeH="0" baseline="0" noProof="0">
                 <a:ln>
                   <a:noFill/>
                 </a:ln>
@@ -24980,7 +25008,7 @@
                 <a:tabLst/>
                 <a:defRPr/>
               </a:pPr>
-              <a:endParaRPr kumimoji="0" lang="en-US" sz="1800" b="0" i="0" u="none" strike="noStrike" kern="1200" cap="none" spc="0" normalizeH="0" baseline="0" noProof="0" dirty="0">
+              <a:endParaRPr kumimoji="0" lang="en-US" sz="1800" b="0" i="0" u="none" strike="noStrike" kern="1200" cap="none" spc="0" normalizeH="0" baseline="0" noProof="0">
                 <a:ln>
                   <a:noFill/>
                 </a:ln>
@@ -25191,7 +25219,7 @@
                 <a:tabLst/>
                 <a:defRPr/>
               </a:pPr>
-              <a:endParaRPr kumimoji="0" lang="en-US" sz="1800" b="0" i="0" u="none" strike="noStrike" kern="1200" cap="none" spc="0" normalizeH="0" baseline="0" noProof="0" dirty="0">
+              <a:endParaRPr kumimoji="0" lang="en-US" sz="1800" b="0" i="0" u="none" strike="noStrike" kern="1200" cap="none" spc="0" normalizeH="0" baseline="0" noProof="0">
                 <a:ln>
                   <a:noFill/>
                 </a:ln>
@@ -25456,7 +25484,7 @@
               </a:lnSpc>
             </a:pPr>
             <a:r>
-              <a:rPr lang="en-US" altLang="zh-TW" dirty="0">
+              <a:rPr lang="en-US" altLang="zh-TW">
                 <a:solidFill>
                   <a:srgbClr val="404040"/>
                 </a:solidFill>
@@ -25466,7 +25494,7 @@
               <a:t>Mock</a:t>
             </a:r>
             <a:r>
-              <a:rPr lang="zh-TW" altLang="en-US" dirty="0">
+              <a:rPr lang="zh-TW" altLang="en-US">
                 <a:solidFill>
                   <a:srgbClr val="404040"/>
                 </a:solidFill>
@@ -25476,7 +25504,7 @@
               <a:t> </a:t>
             </a:r>
             <a:r>
-              <a:rPr lang="en-US" altLang="zh-TW" dirty="0">
+              <a:rPr lang="en-US" altLang="zh-TW">
                 <a:solidFill>
                   <a:srgbClr val="404040"/>
                 </a:solidFill>
@@ -25485,7 +25513,7 @@
               </a:rPr>
               <a:t>Up</a:t>
             </a:r>
-            <a:endParaRPr lang="zh-TW" altLang="en-US" dirty="0"/>
+            <a:endParaRPr lang="zh-TW" altLang="en-US"/>
           </a:p>
         </p:txBody>
       </p:sp>
@@ -25719,7 +25747,7 @@
           <a:lstStyle/>
           <a:p>
             <a:pPr algn="ctr"/>
-            <a:endParaRPr lang="en-US" dirty="0"/>
+            <a:endParaRPr lang="en-US"/>
           </a:p>
         </p:txBody>
       </p:sp>
@@ -25857,7 +25885,7 @@
               <a:tabLst/>
               <a:defRPr/>
             </a:pPr>
-            <a:endParaRPr kumimoji="0" lang="en-US" sz="1800" b="0" i="0" u="none" strike="noStrike" kern="1200" cap="none" spc="0" normalizeH="0" baseline="0" noProof="0" dirty="0">
+            <a:endParaRPr kumimoji="0" lang="en-US" sz="1800" b="0" i="0" u="none" strike="noStrike" kern="1200" cap="none" spc="0" normalizeH="0" baseline="0" noProof="0">
               <a:ln>
                 <a:noFill/>
               </a:ln>
@@ -26008,7 +26036,7 @@
               <a:tabLst/>
               <a:defRPr/>
             </a:pPr>
-            <a:endParaRPr kumimoji="0" lang="en-US" sz="1800" b="0" i="0" u="none" strike="noStrike" kern="1200" cap="none" spc="0" normalizeH="0" baseline="0" noProof="0" dirty="0">
+            <a:endParaRPr kumimoji="0" lang="en-US" sz="1800" b="0" i="0" u="none" strike="noStrike" kern="1200" cap="none" spc="0" normalizeH="0" baseline="0" noProof="0">
               <a:ln>
                 <a:noFill/>
               </a:ln>
@@ -26280,7 +26308,7 @@
           <a:lstStyle/>
           <a:p>
             <a:pPr algn="ctr"/>
-            <a:endParaRPr lang="en-US" dirty="0"/>
+            <a:endParaRPr lang="en-US"/>
           </a:p>
         </p:txBody>
       </p:sp>
@@ -26418,7 +26446,7 @@
               <a:tabLst/>
               <a:defRPr/>
             </a:pPr>
-            <a:endParaRPr kumimoji="0" lang="en-US" sz="1800" b="0" i="0" u="none" strike="noStrike" kern="1200" cap="none" spc="0" normalizeH="0" baseline="0" noProof="0" dirty="0">
+            <a:endParaRPr kumimoji="0" lang="en-US" sz="1800" b="0" i="0" u="none" strike="noStrike" kern="1200" cap="none" spc="0" normalizeH="0" baseline="0" noProof="0">
               <a:ln>
                 <a:noFill/>
               </a:ln>
@@ -26569,7 +26597,7 @@
               <a:tabLst/>
               <a:defRPr/>
             </a:pPr>
-            <a:endParaRPr kumimoji="0" lang="en-US" sz="1800" b="0" i="0" u="none" strike="noStrike" kern="1200" cap="none" spc="0" normalizeH="0" baseline="0" noProof="0" dirty="0">
+            <a:endParaRPr kumimoji="0" lang="en-US" sz="1800" b="0" i="0" u="none" strike="noStrike" kern="1200" cap="none" spc="0" normalizeH="0" baseline="0" noProof="0">
               <a:ln>
                 <a:noFill/>
               </a:ln>
@@ -26811,7 +26839,7 @@
               <a:tabLst/>
               <a:defRPr/>
             </a:pPr>
-            <a:endParaRPr kumimoji="0" lang="en-US" sz="1800" b="0" i="0" u="none" strike="noStrike" kern="1200" cap="none" spc="0" normalizeH="0" baseline="0" noProof="0" dirty="0">
+            <a:endParaRPr kumimoji="0" lang="en-US" sz="1800" b="0" i="0" u="none" strike="noStrike" kern="1200" cap="none" spc="0" normalizeH="0" baseline="0" noProof="0">
               <a:ln>
                 <a:noFill/>
               </a:ln>
@@ -27301,7 +27329,7 @@
                 <a:tabLst/>
                 <a:defRPr/>
               </a:pPr>
-              <a:endParaRPr kumimoji="0" lang="en-US" sz="1800" b="0" i="0" u="none" strike="noStrike" kern="1200" cap="none" spc="0" normalizeH="0" baseline="0" noProof="0" dirty="0">
+              <a:endParaRPr kumimoji="0" lang="en-US" sz="1800" b="0" i="0" u="none" strike="noStrike" kern="1200" cap="none" spc="0" normalizeH="0" baseline="0" noProof="0">
                 <a:ln>
                   <a:noFill/>
                 </a:ln>
@@ -27512,7 +27540,7 @@
                 <a:tabLst/>
                 <a:defRPr/>
               </a:pPr>
-              <a:endParaRPr kumimoji="0" lang="en-US" sz="1800" b="0" i="0" u="none" strike="noStrike" kern="1200" cap="none" spc="0" normalizeH="0" baseline="0" noProof="0" dirty="0">
+              <a:endParaRPr kumimoji="0" lang="en-US" sz="1800" b="0" i="0" u="none" strike="noStrike" kern="1200" cap="none" spc="0" normalizeH="0" baseline="0" noProof="0">
                 <a:ln>
                   <a:noFill/>
                 </a:ln>
@@ -27936,7 +27964,7 @@
                 <a:tabLst/>
                 <a:defRPr/>
               </a:pPr>
-              <a:endParaRPr kumimoji="0" lang="en-US" sz="1800" b="0" i="0" u="none" strike="noStrike" kern="1200" cap="none" spc="0" normalizeH="0" baseline="0" noProof="0" dirty="0">
+              <a:endParaRPr kumimoji="0" lang="en-US" sz="1800" b="0" i="0" u="none" strike="noStrike" kern="1200" cap="none" spc="0" normalizeH="0" baseline="0" noProof="0">
                 <a:ln>
                   <a:noFill/>
                 </a:ln>
@@ -28147,7 +28175,7 @@
                 <a:tabLst/>
                 <a:defRPr/>
               </a:pPr>
-              <a:endParaRPr kumimoji="0" lang="en-US" sz="1800" b="0" i="0" u="none" strike="noStrike" kern="1200" cap="none" spc="0" normalizeH="0" baseline="0" noProof="0" dirty="0">
+              <a:endParaRPr kumimoji="0" lang="en-US" sz="1800" b="0" i="0" u="none" strike="noStrike" kern="1200" cap="none" spc="0" normalizeH="0" baseline="0" noProof="0">
                 <a:ln>
                   <a:noFill/>
                 </a:ln>
@@ -28412,7 +28440,7 @@
               </a:lnSpc>
             </a:pPr>
             <a:r>
-              <a:rPr lang="en-US" altLang="zh-TW" dirty="0">
+              <a:rPr lang="en-US" altLang="zh-TW">
                 <a:solidFill>
                   <a:srgbClr val="404040"/>
                 </a:solidFill>
@@ -28422,7 +28450,7 @@
               <a:t>Mock</a:t>
             </a:r>
             <a:r>
-              <a:rPr lang="zh-TW" altLang="en-US" dirty="0">
+              <a:rPr lang="zh-TW" altLang="en-US">
                 <a:solidFill>
                   <a:srgbClr val="404040"/>
                 </a:solidFill>
@@ -28432,7 +28460,7 @@
               <a:t> </a:t>
             </a:r>
             <a:r>
-              <a:rPr lang="en-US" altLang="zh-TW" dirty="0">
+              <a:rPr lang="en-US" altLang="zh-TW">
                 <a:solidFill>
                   <a:srgbClr val="404040"/>
                 </a:solidFill>
@@ -28441,7 +28469,7 @@
               </a:rPr>
               <a:t>Up</a:t>
             </a:r>
-            <a:endParaRPr lang="zh-TW" altLang="en-US" dirty="0"/>
+            <a:endParaRPr lang="zh-TW" altLang="en-US"/>
           </a:p>
         </p:txBody>
       </p:sp>

--- a/簡報/個人專題簡報1.pptx
+++ b/簡報/個人專題簡報1.pptx
@@ -127,7 +127,7 @@
 <p1510:revInfo xmlns:a="http://schemas.openxmlformats.org/drawingml/2006/main" xmlns:r="http://schemas.openxmlformats.org/officeDocument/2006/relationships" xmlns:p1510="http://schemas.microsoft.com/office/powerpoint/2015/10/main">
   <p1510:revLst>
     <p1510:client id="{631E48A9-47DE-4532-AE94-54AD21891558}" v="916" dt="2023-11-29T06:06:39.099"/>
-    <p1510:client id="{72487C20-6FA7-4E86-AF37-AC80D7AF171F}" v="8" dt="2023-11-29T10:08:08.935"/>
+    <p1510:client id="{72487C20-6FA7-4E86-AF37-AC80D7AF171F}" v="20" dt="2023-11-29T13:36:04.279"/>
     <p1510:client id="{789C0F4A-146B-4291-93CD-1083A7236423}" v="5" dt="2023-11-29T02:48:33.347"/>
   </p1510:revLst>
 </p1510:revInfo>
@@ -138,7 +138,7 @@
   <pc:docChgLst>
     <pc:chgData name="李 莘慈" userId="d6ed8ce8b59dd2fa" providerId="Windows Live" clId="Web-{72487C20-6FA7-4E86-AF37-AC80D7AF171F}"/>
     <pc:docChg chg="modSld">
-      <pc:chgData name="李 莘慈" userId="d6ed8ce8b59dd2fa" providerId="Windows Live" clId="Web-{72487C20-6FA7-4E86-AF37-AC80D7AF171F}" dt="2023-11-29T10:08:08.935" v="7" actId="1076"/>
+      <pc:chgData name="李 莘慈" userId="d6ed8ce8b59dd2fa" providerId="Windows Live" clId="Web-{72487C20-6FA7-4E86-AF37-AC80D7AF171F}" dt="2023-11-29T13:36:04.279" v="17"/>
       <pc:docMkLst>
         <pc:docMk/>
       </pc:docMkLst>
@@ -157,18 +157,34 @@
           </ac:picMkLst>
         </pc:picChg>
       </pc:sldChg>
-      <pc:sldChg chg="modSp">
-        <pc:chgData name="李 莘慈" userId="d6ed8ce8b59dd2fa" providerId="Windows Live" clId="Web-{72487C20-6FA7-4E86-AF37-AC80D7AF171F}" dt="2023-11-29T10:07:55.356" v="5" actId="1076"/>
+      <pc:sldChg chg="addSp delSp modSp">
+        <pc:chgData name="李 莘慈" userId="d6ed8ce8b59dd2fa" providerId="Windows Live" clId="Web-{72487C20-6FA7-4E86-AF37-AC80D7AF171F}" dt="2023-11-29T13:32:11.083" v="12"/>
         <pc:sldMkLst>
           <pc:docMk/>
           <pc:sldMk cId="4125715897" sldId="260"/>
         </pc:sldMkLst>
+        <pc:picChg chg="add del mod">
+          <ac:chgData name="李 莘慈" userId="d6ed8ce8b59dd2fa" providerId="Windows Live" clId="Web-{72487C20-6FA7-4E86-AF37-AC80D7AF171F}" dt="2023-11-29T13:31:47.457" v="10"/>
+          <ac:picMkLst>
+            <pc:docMk/>
+            <pc:sldMk cId="4125715897" sldId="260"/>
+            <ac:picMk id="3" creationId="{8A03448A-B967-5FB7-A9A9-522B1B15BAF6}"/>
+          </ac:picMkLst>
+        </pc:picChg>
         <pc:picChg chg="mod">
           <ac:chgData name="李 莘慈" userId="d6ed8ce8b59dd2fa" providerId="Windows Live" clId="Web-{72487C20-6FA7-4E86-AF37-AC80D7AF171F}" dt="2023-11-29T10:07:55.356" v="5" actId="1076"/>
           <ac:picMkLst>
             <pc:docMk/>
             <pc:sldMk cId="4125715897" sldId="260"/>
             <ac:picMk id="4" creationId="{43DE9338-23B6-E5FF-E6BD-E01820CDFFDC}"/>
+          </ac:picMkLst>
+        </pc:picChg>
+        <pc:picChg chg="add del mod">
+          <ac:chgData name="李 莘慈" userId="d6ed8ce8b59dd2fa" providerId="Windows Live" clId="Web-{72487C20-6FA7-4E86-AF37-AC80D7AF171F}" dt="2023-11-29T13:32:11.083" v="12"/>
+          <ac:picMkLst>
+            <pc:docMk/>
+            <pc:sldMk cId="4125715897" sldId="260"/>
+            <ac:picMk id="5" creationId="{FC0CC387-FDDE-3B43-02F4-92A2DE9B41F9}"/>
           </ac:picMkLst>
         </pc:picChg>
       </pc:sldChg>
@@ -199,6 +215,21 @@
             <pc:docMk/>
             <pc:sldMk cId="2880185482" sldId="263"/>
             <ac:picMk id="4" creationId="{61BDC2EB-3E33-EE05-16C7-E1BF63DF0E7B}"/>
+          </ac:picMkLst>
+        </pc:picChg>
+      </pc:sldChg>
+      <pc:sldChg chg="addSp delSp modSp">
+        <pc:chgData name="李 莘慈" userId="d6ed8ce8b59dd2fa" providerId="Windows Live" clId="Web-{72487C20-6FA7-4E86-AF37-AC80D7AF171F}" dt="2023-11-29T13:36:04.279" v="17"/>
+        <pc:sldMkLst>
+          <pc:docMk/>
+          <pc:sldMk cId="1248391548" sldId="265"/>
+        </pc:sldMkLst>
+        <pc:picChg chg="add del mod">
+          <ac:chgData name="李 莘慈" userId="d6ed8ce8b59dd2fa" providerId="Windows Live" clId="Web-{72487C20-6FA7-4E86-AF37-AC80D7AF171F}" dt="2023-11-29T13:36:04.279" v="17"/>
+          <ac:picMkLst>
+            <pc:docMk/>
+            <pc:sldMk cId="1248391548" sldId="265"/>
+            <ac:picMk id="3" creationId="{4F30E29A-820A-B91E-8FBB-A96E2FB10084}"/>
           </ac:picMkLst>
         </pc:picChg>
       </pc:sldChg>
